--- a/1105_SE305(presentation slide).pptx
+++ b/1105_SE305(presentation slide).pptx
@@ -10663,8 +10663,8 @@
         </p:nvSpPr>
         <p:spPr>
           <a:xfrm>
-            <a:off x="7214958" y="2045975"/>
-            <a:ext cx="1740356" cy="1631216"/>
+            <a:off x="6995770" y="2078219"/>
+            <a:ext cx="1740356" cy="2246769"/>
           </a:xfrm>
           <a:prstGeom prst="rect">
             <a:avLst/>
@@ -10677,24 +10677,19 @@
           </a:bodyPr>
           <a:lstStyle/>
           <a:p>
-            <a:pPr marL="0" lvl="0" indent="0" rtl="0">
-              <a:spcBef>
-                <a:spcPts val="0"/>
-              </a:spcBef>
-              <a:spcAft>
-                <a:spcPts val="0"/>
-              </a:spcAft>
-              <a:buNone/>
-            </a:pPr>
+            <a:pPr lvl="0"/>
             <a:r>
               <a:rPr lang="en-US" sz="2000" dirty="0">
-                <a:latin typeface="Averia Sans Libre"/>
-                <a:ea typeface="Averia Sans Libre"/>
-                <a:cs typeface="Averia Sans Libre"/>
-                <a:sym typeface="Averia Sans Libre"/>
+                <a:latin typeface="Averia Sans Libre" panose="020B0604020202020204" charset="0"/>
               </a:rPr>
-              <a:t>Take a C file which is inputted for syntax Checking</a:t>
+              <a:t>takes a source file and this source file is inputted for syntax error checking</a:t>
             </a:r>
+            <a:endParaRPr lang="en-US" sz="2000" dirty="0">
+              <a:latin typeface="Averia Sans Libre"/>
+              <a:ea typeface="Averia Sans Libre"/>
+              <a:cs typeface="Averia Sans Libre"/>
+              <a:sym typeface="Averia Sans Libre"/>
+            </a:endParaRPr>
           </a:p>
         </p:txBody>
       </p:sp>
@@ -10712,7 +10707,7 @@
         </p:nvSpPr>
         <p:spPr>
           <a:xfrm>
-            <a:off x="7269368" y="2047483"/>
+            <a:off x="7287459" y="2040436"/>
             <a:ext cx="1627889" cy="1323439"/>
           </a:xfrm>
           <a:prstGeom prst="rect">
@@ -10727,13 +10722,10 @@
           <a:lstStyle/>
           <a:p>
             <a:r>
-              <a:rPr lang="en" sz="2000" dirty="0">
-                <a:latin typeface="Averia Sans Libre"/>
-                <a:ea typeface="Averia Sans Libre"/>
-                <a:cs typeface="Averia Sans Libre"/>
-                <a:sym typeface="Averia Sans Libre"/>
+              <a:rPr lang="en-US" sz="2000" dirty="0">
+                <a:latin typeface="Averia Sans Libre" panose="020B0604020202020204" charset="0"/>
               </a:rPr>
-              <a:t>Inputted C file is splitted into valid token </a:t>
+              <a:t>inputted C file is split into valid tokens</a:t>
             </a:r>
             <a:endParaRPr lang="en-US" sz="2000" dirty="0"/>
           </a:p>
@@ -10753,8 +10745,8 @@
         </p:nvSpPr>
         <p:spPr>
           <a:xfrm>
-            <a:off x="7247493" y="2100485"/>
-            <a:ext cx="1863728" cy="1015663"/>
+            <a:off x="7024436" y="2078219"/>
+            <a:ext cx="1863728" cy="2246769"/>
           </a:xfrm>
           <a:prstGeom prst="rect">
             <a:avLst/>
@@ -10767,24 +10759,19 @@
           </a:bodyPr>
           <a:lstStyle/>
           <a:p>
-            <a:pPr marL="0" lvl="0" indent="0" algn="l" rtl="0">
-              <a:spcBef>
-                <a:spcPts val="0"/>
-              </a:spcBef>
-              <a:spcAft>
-                <a:spcPts val="0"/>
-              </a:spcAft>
-              <a:buNone/>
-            </a:pPr>
+            <a:pPr lvl="0"/>
             <a:r>
               <a:rPr lang="en-US" sz="2000" dirty="0">
-                <a:latin typeface="Averia Sans Libre"/>
-                <a:ea typeface="Averia Sans Libre"/>
-                <a:cs typeface="Averia Sans Libre"/>
-                <a:sym typeface="Averia Sans Libre"/>
+                <a:latin typeface="Averia Sans Libre" panose="020B0604020202020204" charset="0"/>
               </a:rPr>
-              <a:t>3 types of error are checked</a:t>
+              <a:t>Around unique 50+ errors are categorized into 3types those are handled in this project</a:t>
             </a:r>
+            <a:endParaRPr lang="en-US" sz="2000" dirty="0">
+              <a:latin typeface="Averia Sans Libre"/>
+              <a:ea typeface="Averia Sans Libre"/>
+              <a:cs typeface="Averia Sans Libre"/>
+              <a:sym typeface="Averia Sans Libre"/>
+            </a:endParaRPr>
           </a:p>
         </p:txBody>
       </p:sp>
@@ -13838,15 +13825,15 @@
               <a:buNone/>
             </a:pPr>
             <a:r>
-              <a:rPr lang="en" sz="1800">
+              <a:rPr lang="en" sz="1800" dirty="0">
                 <a:latin typeface="Averia Sans Libre Light"/>
                 <a:ea typeface="Averia Sans Libre Light"/>
                 <a:cs typeface="Averia Sans Libre Light"/>
                 <a:sym typeface="Averia Sans Libre Light"/>
               </a:rPr>
-              <a:t>Line of Code: 2000+</a:t>
+              <a:t>Line of Code: 2500+</a:t>
             </a:r>
-            <a:endParaRPr sz="1800">
+            <a:endParaRPr sz="1800" dirty="0">
               <a:latin typeface="Averia Sans Libre Light"/>
               <a:ea typeface="Averia Sans Libre Light"/>
               <a:cs typeface="Averia Sans Libre Light"/>
